--- a/Portfolio.pptx
+++ b/Portfolio.pptx
@@ -5,7 +5,7 @@
     <p:sldMasterId id="2147483648" r:id="rId1"/>
   </p:sldMasterIdLst>
   <p:notesMasterIdLst>
-    <p:notesMasterId r:id="rId10"/>
+    <p:notesMasterId r:id="rId12"/>
   </p:notesMasterIdLst>
   <p:sldIdLst>
     <p:sldId id="260" r:id="rId2"/>
@@ -16,6 +16,8 @@
     <p:sldId id="259" r:id="rId7"/>
     <p:sldId id="262" r:id="rId8"/>
     <p:sldId id="263" r:id="rId9"/>
+    <p:sldId id="265" r:id="rId10"/>
+    <p:sldId id="266" r:id="rId11"/>
   </p:sldIdLst>
   <p:sldSz cx="12192000" cy="6858000"/>
   <p:notesSz cx="6858000" cy="9144000"/>
@@ -125,7 +127,7 @@
 <file path=ppt/revisionInfo.xml><?xml version="1.0" encoding="utf-8"?>
 <p1510:revInfo xmlns:a="http://schemas.openxmlformats.org/drawingml/2006/main" xmlns:r="http://schemas.openxmlformats.org/officeDocument/2006/relationships" xmlns:p1510="http://schemas.microsoft.com/office/powerpoint/2015/10/main">
   <p1510:revLst>
-    <p1510:client id="{EBE34D05-DC0C-418C-938B-51924734D208}" v="68" dt="2023-09-21T10:37:28.018"/>
+    <p1510:client id="{EBE34D05-DC0C-418C-938B-51924734D208}" v="71" dt="2023-09-25T09:38:26.939"/>
   </p1510:revLst>
 </p1510:revInfo>
 </file>
@@ -134,8 +136,8 @@
 <pc:chgInfo xmlns:a="http://schemas.openxmlformats.org/drawingml/2006/main" xmlns:r="http://schemas.openxmlformats.org/officeDocument/2006/relationships" xmlns:ac="http://schemas.microsoft.com/office/drawing/2013/main/command" xmlns:pc="http://schemas.microsoft.com/office/powerpoint/2013/main/command">
   <pc:docChgLst>
     <pc:chgData name="Haferkorn, Sören Hinnerk" userId="e81fb504-c6b0-4547-9eb9-4b605932b7ba" providerId="ADAL" clId="{EBE34D05-DC0C-418C-938B-51924734D208}"/>
-    <pc:docChg chg="undo redo custSel mod addSld modSld sldOrd modMainMaster">
-      <pc:chgData name="Haferkorn, Sören Hinnerk" userId="e81fb504-c6b0-4547-9eb9-4b605932b7ba" providerId="ADAL" clId="{EBE34D05-DC0C-418C-938B-51924734D208}" dt="2023-09-21T10:59:21.159" v="6246" actId="1076"/>
+    <pc:docChg chg="undo redo custSel mod addSld delSld modSld sldOrd modMainMaster">
+      <pc:chgData name="Haferkorn, Sören Hinnerk" userId="e81fb504-c6b0-4547-9eb9-4b605932b7ba" providerId="ADAL" clId="{EBE34D05-DC0C-418C-938B-51924734D208}" dt="2023-09-25T09:39:37.028" v="7395" actId="1076"/>
       <pc:docMkLst>
         <pc:docMk/>
       </pc:docMkLst>
@@ -1355,6 +1357,51 @@
           </ac:spMkLst>
         </pc:spChg>
       </pc:sldChg>
+      <pc:sldChg chg="new del">
+        <pc:chgData name="Haferkorn, Sören Hinnerk" userId="e81fb504-c6b0-4547-9eb9-4b605932b7ba" providerId="ADAL" clId="{EBE34D05-DC0C-418C-938B-51924734D208}" dt="2023-09-25T08:13:10.475" v="6249" actId="2696"/>
+        <pc:sldMkLst>
+          <pc:docMk/>
+          <pc:sldMk cId="174898182" sldId="264"/>
+        </pc:sldMkLst>
+      </pc:sldChg>
+      <pc:sldChg chg="addSp modSp new mod">
+        <pc:chgData name="Haferkorn, Sören Hinnerk" userId="e81fb504-c6b0-4547-9eb9-4b605932b7ba" providerId="ADAL" clId="{EBE34D05-DC0C-418C-938B-51924734D208}" dt="2023-09-25T09:01:56.943" v="7343" actId="1076"/>
+        <pc:sldMkLst>
+          <pc:docMk/>
+          <pc:sldMk cId="767207952" sldId="265"/>
+        </pc:sldMkLst>
+        <pc:spChg chg="add mod">
+          <ac:chgData name="Haferkorn, Sören Hinnerk" userId="e81fb504-c6b0-4547-9eb9-4b605932b7ba" providerId="ADAL" clId="{EBE34D05-DC0C-418C-938B-51924734D208}" dt="2023-09-25T09:01:56.943" v="7343" actId="1076"/>
+          <ac:spMkLst>
+            <pc:docMk/>
+            <pc:sldMk cId="767207952" sldId="265"/>
+            <ac:spMk id="2" creationId="{D22FC611-9826-F9DE-8874-4875BD9C9BA7}"/>
+          </ac:spMkLst>
+        </pc:spChg>
+        <pc:spChg chg="add mod">
+          <ac:chgData name="Haferkorn, Sören Hinnerk" userId="e81fb504-c6b0-4547-9eb9-4b605932b7ba" providerId="ADAL" clId="{EBE34D05-DC0C-418C-938B-51924734D208}" dt="2023-09-25T08:14:10.372" v="6281" actId="403"/>
+          <ac:spMkLst>
+            <pc:docMk/>
+            <pc:sldMk cId="767207952" sldId="265"/>
+            <ac:spMk id="3" creationId="{8C33EB48-5F85-2B6E-4890-ECFE9AC13B48}"/>
+          </ac:spMkLst>
+        </pc:spChg>
+      </pc:sldChg>
+      <pc:sldChg chg="addSp modSp new mod">
+        <pc:chgData name="Haferkorn, Sören Hinnerk" userId="e81fb504-c6b0-4547-9eb9-4b605932b7ba" providerId="ADAL" clId="{EBE34D05-DC0C-418C-938B-51924734D208}" dt="2023-09-25T09:39:37.028" v="7395" actId="1076"/>
+        <pc:sldMkLst>
+          <pc:docMk/>
+          <pc:sldMk cId="3384507258" sldId="266"/>
+        </pc:sldMkLst>
+        <pc:spChg chg="add mod">
+          <ac:chgData name="Haferkorn, Sören Hinnerk" userId="e81fb504-c6b0-4547-9eb9-4b605932b7ba" providerId="ADAL" clId="{EBE34D05-DC0C-418C-938B-51924734D208}" dt="2023-09-25T09:39:37.028" v="7395" actId="1076"/>
+          <ac:spMkLst>
+            <pc:docMk/>
+            <pc:sldMk cId="3384507258" sldId="266"/>
+            <ac:spMk id="2" creationId="{7A7C78DC-BEBE-328D-BF13-630539227AAF}"/>
+          </ac:spMkLst>
+        </pc:spChg>
+      </pc:sldChg>
       <pc:sldMasterChg chg="addSp mod">
         <pc:chgData name="Haferkorn, Sören Hinnerk" userId="e81fb504-c6b0-4547-9eb9-4b605932b7ba" providerId="ADAL" clId="{EBE34D05-DC0C-418C-938B-51924734D208}" dt="2023-09-19T09:08:34.430" v="0" actId="33475"/>
         <pc:sldMasterMkLst>
@@ -1457,7 +1504,7 @@
           <a:p>
             <a:fld id="{1F3404F2-A7D7-44FF-9EF0-DA1FFDC7EBA8}" type="datetimeFigureOut">
               <a:rPr lang="de-DE" smtClean="0"/>
-              <a:t>21.09.2023</a:t>
+              <a:t>25.09.2023</a:t>
             </a:fld>
             <a:endParaRPr lang="de-DE"/>
           </a:p>
@@ -1809,6 +1856,90 @@
 </p:notes>
 </file>
 
+<file path=ppt/notesSlides/notesSlide2.xml><?xml version="1.0" encoding="utf-8"?>
+<p:notes xmlns:a="http://schemas.openxmlformats.org/drawingml/2006/main" xmlns:r="http://schemas.openxmlformats.org/officeDocument/2006/relationships" xmlns:p="http://schemas.openxmlformats.org/presentationml/2006/main">
+  <p:cSld>
+    <p:spTree>
+      <p:nvGrpSpPr>
+        <p:cNvPr id="1" name=""/>
+        <p:cNvGrpSpPr/>
+        <p:nvPr/>
+      </p:nvGrpSpPr>
+      <p:grpSpPr>
+        <a:xfrm>
+          <a:off x="0" y="0"/>
+          <a:ext cx="0" cy="0"/>
+          <a:chOff x="0" y="0"/>
+          <a:chExt cx="0" cy="0"/>
+        </a:xfrm>
+      </p:grpSpPr>
+      <p:sp>
+        <p:nvSpPr>
+          <p:cNvPr id="2" name="Slide Image Placeholder 1"/>
+          <p:cNvSpPr>
+            <a:spLocks noGrp="1" noRot="1" noChangeAspect="1"/>
+          </p:cNvSpPr>
+          <p:nvPr>
+            <p:ph type="sldImg"/>
+          </p:nvPr>
+        </p:nvSpPr>
+        <p:spPr/>
+      </p:sp>
+      <p:sp>
+        <p:nvSpPr>
+          <p:cNvPr id="3" name="Notes Placeholder 2"/>
+          <p:cNvSpPr>
+            <a:spLocks noGrp="1"/>
+          </p:cNvSpPr>
+          <p:nvPr>
+            <p:ph type="body" idx="1"/>
+          </p:nvPr>
+        </p:nvSpPr>
+        <p:spPr/>
+        <p:txBody>
+          <a:bodyPr/>
+          <a:lstStyle/>
+          <a:p>
+            <a:endParaRPr lang="de-DE" dirty="0"/>
+          </a:p>
+        </p:txBody>
+      </p:sp>
+      <p:sp>
+        <p:nvSpPr>
+          <p:cNvPr id="4" name="Slide Number Placeholder 3"/>
+          <p:cNvSpPr>
+            <a:spLocks noGrp="1"/>
+          </p:cNvSpPr>
+          <p:nvPr>
+            <p:ph type="sldNum" sz="quarter" idx="5"/>
+          </p:nvPr>
+        </p:nvSpPr>
+        <p:spPr/>
+        <p:txBody>
+          <a:bodyPr/>
+          <a:lstStyle/>
+          <a:p>
+            <a:fld id="{82B2A706-403E-438B-9F80-04390F2B0545}" type="slidenum">
+              <a:rPr lang="de-DE" smtClean="0"/>
+              <a:t>9</a:t>
+            </a:fld>
+            <a:endParaRPr lang="de-DE"/>
+          </a:p>
+        </p:txBody>
+      </p:sp>
+    </p:spTree>
+    <p:extLst>
+      <p:ext uri="{BB962C8B-B14F-4D97-AF65-F5344CB8AC3E}">
+        <p14:creationId xmlns:p14="http://schemas.microsoft.com/office/powerpoint/2010/main" val="1884378810"/>
+      </p:ext>
+    </p:extLst>
+  </p:cSld>
+  <p:clrMapOvr>
+    <a:masterClrMapping/>
+  </p:clrMapOvr>
+</p:notes>
+</file>
+
 <file path=ppt/slideLayouts/slideLayout1.xml><?xml version="1.0" encoding="utf-8"?>
 <p:sldLayout xmlns:a="http://schemas.openxmlformats.org/drawingml/2006/main" xmlns:r="http://schemas.openxmlformats.org/officeDocument/2006/relationships" xmlns:p="http://schemas.openxmlformats.org/presentationml/2006/main" type="title" preserve="1">
   <p:cSld name="Title Slide">
@@ -1958,7 +2089,7 @@
           <a:p>
             <a:fld id="{90E8E4E6-21A7-4402-B90B-F04F7934444B}" type="datetimeFigureOut">
               <a:rPr lang="de-DE" smtClean="0"/>
-              <a:t>21.09.2023</a:t>
+              <a:t>25.09.2023</a:t>
             </a:fld>
             <a:endParaRPr lang="de-DE"/>
           </a:p>
@@ -2158,7 +2289,7 @@
           <a:p>
             <a:fld id="{90E8E4E6-21A7-4402-B90B-F04F7934444B}" type="datetimeFigureOut">
               <a:rPr lang="de-DE" smtClean="0"/>
-              <a:t>21.09.2023</a:t>
+              <a:t>25.09.2023</a:t>
             </a:fld>
             <a:endParaRPr lang="de-DE"/>
           </a:p>
@@ -2368,7 +2499,7 @@
           <a:p>
             <a:fld id="{90E8E4E6-21A7-4402-B90B-F04F7934444B}" type="datetimeFigureOut">
               <a:rPr lang="de-DE" smtClean="0"/>
-              <a:t>21.09.2023</a:t>
+              <a:t>25.09.2023</a:t>
             </a:fld>
             <a:endParaRPr lang="de-DE"/>
           </a:p>
@@ -2568,7 +2699,7 @@
           <a:p>
             <a:fld id="{90E8E4E6-21A7-4402-B90B-F04F7934444B}" type="datetimeFigureOut">
               <a:rPr lang="de-DE" smtClean="0"/>
-              <a:t>21.09.2023</a:t>
+              <a:t>25.09.2023</a:t>
             </a:fld>
             <a:endParaRPr lang="de-DE"/>
           </a:p>
@@ -2844,7 +2975,7 @@
           <a:p>
             <a:fld id="{90E8E4E6-21A7-4402-B90B-F04F7934444B}" type="datetimeFigureOut">
               <a:rPr lang="de-DE" smtClean="0"/>
-              <a:t>21.09.2023</a:t>
+              <a:t>25.09.2023</a:t>
             </a:fld>
             <a:endParaRPr lang="de-DE"/>
           </a:p>
@@ -3112,7 +3243,7 @@
           <a:p>
             <a:fld id="{90E8E4E6-21A7-4402-B90B-F04F7934444B}" type="datetimeFigureOut">
               <a:rPr lang="de-DE" smtClean="0"/>
-              <a:t>21.09.2023</a:t>
+              <a:t>25.09.2023</a:t>
             </a:fld>
             <a:endParaRPr lang="de-DE"/>
           </a:p>
@@ -3527,7 +3658,7 @@
           <a:p>
             <a:fld id="{90E8E4E6-21A7-4402-B90B-F04F7934444B}" type="datetimeFigureOut">
               <a:rPr lang="de-DE" smtClean="0"/>
-              <a:t>21.09.2023</a:t>
+              <a:t>25.09.2023</a:t>
             </a:fld>
             <a:endParaRPr lang="de-DE"/>
           </a:p>
@@ -3669,7 +3800,7 @@
           <a:p>
             <a:fld id="{90E8E4E6-21A7-4402-B90B-F04F7934444B}" type="datetimeFigureOut">
               <a:rPr lang="de-DE" smtClean="0"/>
-              <a:t>21.09.2023</a:t>
+              <a:t>25.09.2023</a:t>
             </a:fld>
             <a:endParaRPr lang="de-DE"/>
           </a:p>
@@ -3782,7 +3913,7 @@
           <a:p>
             <a:fld id="{90E8E4E6-21A7-4402-B90B-F04F7934444B}" type="datetimeFigureOut">
               <a:rPr lang="de-DE" smtClean="0"/>
-              <a:t>21.09.2023</a:t>
+              <a:t>25.09.2023</a:t>
             </a:fld>
             <a:endParaRPr lang="de-DE"/>
           </a:p>
@@ -4095,7 +4226,7 @@
           <a:p>
             <a:fld id="{90E8E4E6-21A7-4402-B90B-F04F7934444B}" type="datetimeFigureOut">
               <a:rPr lang="de-DE" smtClean="0"/>
-              <a:t>21.09.2023</a:t>
+              <a:t>25.09.2023</a:t>
             </a:fld>
             <a:endParaRPr lang="de-DE"/>
           </a:p>
@@ -4384,7 +4515,7 @@
           <a:p>
             <a:fld id="{90E8E4E6-21A7-4402-B90B-F04F7934444B}" type="datetimeFigureOut">
               <a:rPr lang="de-DE" smtClean="0"/>
-              <a:t>21.09.2023</a:t>
+              <a:t>25.09.2023</a:t>
             </a:fld>
             <a:endParaRPr lang="de-DE"/>
           </a:p>
@@ -4627,7 +4758,7 @@
           <a:p>
             <a:fld id="{90E8E4E6-21A7-4402-B90B-F04F7934444B}" type="datetimeFigureOut">
               <a:rPr lang="de-DE" smtClean="0"/>
-              <a:t>21.09.2023</a:t>
+              <a:t>25.09.2023</a:t>
             </a:fld>
             <a:endParaRPr lang="de-DE"/>
           </a:p>
@@ -6045,6 +6176,119 @@
 </p:sld>
 </file>
 
+<file path=ppt/slides/slide10.xml><?xml version="1.0" encoding="utf-8"?>
+<p:sld xmlns:a="http://schemas.openxmlformats.org/drawingml/2006/main" xmlns:r="http://schemas.openxmlformats.org/officeDocument/2006/relationships" xmlns:p="http://schemas.openxmlformats.org/presentationml/2006/main">
+  <p:cSld>
+    <p:spTree>
+      <p:nvGrpSpPr>
+        <p:cNvPr id="1" name=""/>
+        <p:cNvGrpSpPr/>
+        <p:nvPr/>
+      </p:nvGrpSpPr>
+      <p:grpSpPr>
+        <a:xfrm>
+          <a:off x="0" y="0"/>
+          <a:ext cx="0" cy="0"/>
+          <a:chOff x="0" y="0"/>
+          <a:chExt cx="0" cy="0"/>
+        </a:xfrm>
+      </p:grpSpPr>
+      <p:sp>
+        <p:nvSpPr>
+          <p:cNvPr id="2" name="TextBox 1">
+            <a:extLst>
+              <a:ext uri="{FF2B5EF4-FFF2-40B4-BE49-F238E27FC236}">
+                <a16:creationId xmlns:a16="http://schemas.microsoft.com/office/drawing/2014/main" id="{7A7C78DC-BEBE-328D-BF13-630539227AAF}"/>
+              </a:ext>
+            </a:extLst>
+          </p:cNvPr>
+          <p:cNvSpPr txBox="1"/>
+          <p:nvPr/>
+        </p:nvSpPr>
+        <p:spPr>
+          <a:xfrm>
+            <a:off x="514350" y="342900"/>
+            <a:ext cx="11163300" cy="461665"/>
+          </a:xfrm>
+          <a:prstGeom prst="rect">
+            <a:avLst/>
+          </a:prstGeom>
+          <a:noFill/>
+        </p:spPr>
+        <p:txBody>
+          <a:bodyPr wrap="square" rtlCol="0">
+            <a:spAutoFit/>
+          </a:bodyPr>
+          <a:lstStyle/>
+          <a:p>
+            <a:pPr algn="ctr"/>
+            <a:r>
+              <a:rPr lang="de-DE" sz="2400" dirty="0">
+                <a:latin typeface="+mj-lt"/>
+              </a:rPr>
+              <a:t>Making </a:t>
+            </a:r>
+            <a:r>
+              <a:rPr lang="de-DE" sz="2400" dirty="0" err="1">
+                <a:latin typeface="+mj-lt"/>
+              </a:rPr>
+              <a:t>our</a:t>
+            </a:r>
+            <a:r>
+              <a:rPr lang="de-DE" sz="2400" dirty="0">
+                <a:latin typeface="+mj-lt"/>
+              </a:rPr>
+              <a:t> Problem </a:t>
+            </a:r>
+            <a:r>
+              <a:rPr lang="de-DE" sz="2400" dirty="0" err="1">
+                <a:latin typeface="+mj-lt"/>
+              </a:rPr>
+              <a:t>definition</a:t>
+            </a:r>
+            <a:r>
+              <a:rPr lang="de-DE" sz="2400" dirty="0">
+                <a:latin typeface="+mj-lt"/>
+              </a:rPr>
+              <a:t> </a:t>
+            </a:r>
+            <a:r>
+              <a:rPr lang="de-DE" sz="2400" dirty="0" err="1">
+                <a:latin typeface="+mj-lt"/>
+              </a:rPr>
+              <a:t>more</a:t>
+            </a:r>
+            <a:r>
+              <a:rPr lang="de-DE" sz="2400" dirty="0">
+                <a:latin typeface="+mj-lt"/>
+              </a:rPr>
+              <a:t> </a:t>
+            </a:r>
+            <a:r>
+              <a:rPr lang="de-DE" sz="2400" dirty="0" err="1">
+                <a:latin typeface="+mj-lt"/>
+              </a:rPr>
+              <a:t>specific</a:t>
+            </a:r>
+            <a:endParaRPr lang="de-DE" sz="2400" dirty="0">
+              <a:latin typeface="+mj-lt"/>
+            </a:endParaRPr>
+          </a:p>
+        </p:txBody>
+      </p:sp>
+    </p:spTree>
+    <p:extLst>
+      <p:ext uri="{BB962C8B-B14F-4D97-AF65-F5344CB8AC3E}">
+        <p14:creationId xmlns:p14="http://schemas.microsoft.com/office/powerpoint/2010/main" val="3384507258"/>
+      </p:ext>
+    </p:extLst>
+  </p:cSld>
+  <p:clrMapOvr>
+    <a:masterClrMapping/>
+  </p:clrMapOvr>
+</p:sld>
+</file>
+
 <file path=ppt/slides/slide2.xml><?xml version="1.0" encoding="utf-8"?>
 <p:sld xmlns:a="http://schemas.openxmlformats.org/drawingml/2006/main" xmlns:r="http://schemas.openxmlformats.org/officeDocument/2006/relationships" xmlns:p="http://schemas.openxmlformats.org/presentationml/2006/main">
   <p:cSld>
@@ -16424,6 +16668,993 @@
     <p:extLst>
       <p:ext uri="{BB962C8B-B14F-4D97-AF65-F5344CB8AC3E}">
         <p14:creationId xmlns:p14="http://schemas.microsoft.com/office/powerpoint/2010/main" val="4193616808"/>
+      </p:ext>
+    </p:extLst>
+  </p:cSld>
+  <p:clrMapOvr>
+    <a:masterClrMapping/>
+  </p:clrMapOvr>
+</p:sld>
+</file>
+
+<file path=ppt/slides/slide9.xml><?xml version="1.0" encoding="utf-8"?>
+<p:sld xmlns:a="http://schemas.openxmlformats.org/drawingml/2006/main" xmlns:r="http://schemas.openxmlformats.org/officeDocument/2006/relationships" xmlns:p="http://schemas.openxmlformats.org/presentationml/2006/main">
+  <p:cSld>
+    <p:spTree>
+      <p:nvGrpSpPr>
+        <p:cNvPr id="1" name=""/>
+        <p:cNvGrpSpPr/>
+        <p:nvPr/>
+      </p:nvGrpSpPr>
+      <p:grpSpPr>
+        <a:xfrm>
+          <a:off x="0" y="0"/>
+          <a:ext cx="0" cy="0"/>
+          <a:chOff x="0" y="0"/>
+          <a:chExt cx="0" cy="0"/>
+        </a:xfrm>
+      </p:grpSpPr>
+      <p:sp>
+        <p:nvSpPr>
+          <p:cNvPr id="2" name="TextBox 1">
+            <a:extLst>
+              <a:ext uri="{FF2B5EF4-FFF2-40B4-BE49-F238E27FC236}">
+                <a16:creationId xmlns:a16="http://schemas.microsoft.com/office/drawing/2014/main" id="{D22FC611-9826-F9DE-8874-4875BD9C9BA7}"/>
+              </a:ext>
+            </a:extLst>
+          </p:cNvPr>
+          <p:cNvSpPr txBox="1"/>
+          <p:nvPr/>
+        </p:nvSpPr>
+        <p:spPr>
+          <a:xfrm>
+            <a:off x="234593" y="694076"/>
+            <a:ext cx="11722814" cy="6524863"/>
+          </a:xfrm>
+          <a:prstGeom prst="rect">
+            <a:avLst/>
+          </a:prstGeom>
+          <a:noFill/>
+        </p:spPr>
+        <p:txBody>
+          <a:bodyPr wrap="square" rtlCol="0">
+            <a:spAutoFit/>
+          </a:bodyPr>
+          <a:lstStyle/>
+          <a:p>
+            <a:r>
+              <a:rPr lang="de-DE" sz="1600" dirty="0"/>
+              <a:t>The Dreamer:</a:t>
+            </a:r>
+          </a:p>
+          <a:p>
+            <a:pPr lvl="1"/>
+            <a:r>
+              <a:rPr lang="de-DE" sz="1600" dirty="0"/>
+              <a:t>-     </a:t>
+            </a:r>
+            <a:r>
+              <a:rPr lang="de-DE" sz="1600" dirty="0" err="1"/>
+              <a:t>Moodle</a:t>
+            </a:r>
+            <a:r>
+              <a:rPr lang="de-DE" sz="1600" dirty="0"/>
+              <a:t> </a:t>
+            </a:r>
+            <a:r>
+              <a:rPr lang="de-DE" sz="1600" dirty="0" err="1"/>
+              <a:t>with</a:t>
+            </a:r>
+            <a:r>
+              <a:rPr lang="de-DE" sz="1600" dirty="0"/>
+              <a:t> </a:t>
+            </a:r>
+            <a:r>
+              <a:rPr lang="de-DE" sz="1600" dirty="0" err="1"/>
+              <a:t>included</a:t>
+            </a:r>
+            <a:r>
+              <a:rPr lang="de-DE" sz="1600" dirty="0"/>
+              <a:t> "</a:t>
+            </a:r>
+            <a:r>
+              <a:rPr lang="de-DE" sz="1600" dirty="0" err="1"/>
+              <a:t>ChatGPT</a:t>
+            </a:r>
+            <a:r>
+              <a:rPr lang="de-DE" sz="1600" dirty="0"/>
+              <a:t>" </a:t>
+            </a:r>
+          </a:p>
+          <a:p>
+            <a:pPr lvl="1"/>
+            <a:r>
+              <a:rPr lang="de-DE" sz="1600" dirty="0"/>
+              <a:t>-     </a:t>
+            </a:r>
+            <a:r>
+              <a:rPr lang="de-DE" sz="1600" dirty="0" err="1"/>
+              <a:t>Stuctured</a:t>
+            </a:r>
+            <a:r>
+              <a:rPr lang="de-DE" sz="1600" dirty="0"/>
+              <a:t> and </a:t>
+            </a:r>
+            <a:r>
+              <a:rPr lang="de-DE" sz="1600" dirty="0" err="1"/>
+              <a:t>easier</a:t>
+            </a:r>
+            <a:r>
+              <a:rPr lang="de-DE" sz="1600" dirty="0"/>
+              <a:t> to </a:t>
+            </a:r>
+            <a:r>
+              <a:rPr lang="de-DE" sz="1600" dirty="0" err="1"/>
+              <a:t>use</a:t>
+            </a:r>
+            <a:r>
+              <a:rPr lang="de-DE" sz="1600" dirty="0"/>
+              <a:t> Website (</a:t>
+            </a:r>
+            <a:r>
+              <a:rPr lang="de-DE" sz="1600" dirty="0" err="1"/>
+              <a:t>akin</a:t>
+            </a:r>
+            <a:r>
+              <a:rPr lang="de-DE" sz="1600" dirty="0"/>
+              <a:t> to </a:t>
+            </a:r>
+            <a:r>
+              <a:rPr lang="de-DE" sz="1600" dirty="0" err="1"/>
+              <a:t>Moodle</a:t>
+            </a:r>
+            <a:r>
+              <a:rPr lang="de-DE" sz="1600" dirty="0"/>
+              <a:t>)</a:t>
+            </a:r>
+          </a:p>
+          <a:p>
+            <a:pPr marL="742950" lvl="1" indent="-285750">
+              <a:buFontTx/>
+              <a:buChar char="-"/>
+            </a:pPr>
+            <a:r>
+              <a:rPr lang="de-DE" sz="1600" dirty="0"/>
+              <a:t>All Infos and </a:t>
+            </a:r>
+            <a:r>
+              <a:rPr lang="de-DE" sz="1600" dirty="0" err="1"/>
+              <a:t>Documents</a:t>
+            </a:r>
+            <a:r>
+              <a:rPr lang="de-DE" sz="1600" dirty="0"/>
+              <a:t> in </a:t>
+            </a:r>
+            <a:r>
+              <a:rPr lang="de-DE" sz="1600" dirty="0" err="1"/>
+              <a:t>one</a:t>
+            </a:r>
+            <a:r>
+              <a:rPr lang="de-DE" sz="1600" dirty="0"/>
+              <a:t> </a:t>
+            </a:r>
+            <a:r>
+              <a:rPr lang="de-DE" sz="1600" dirty="0" err="1"/>
+              <a:t>place</a:t>
+            </a:r>
+            <a:r>
+              <a:rPr lang="de-DE" sz="1600" dirty="0"/>
+              <a:t> (</a:t>
+            </a:r>
+            <a:r>
+              <a:rPr lang="de-DE" sz="1600" dirty="0" err="1"/>
+              <a:t>standardised</a:t>
+            </a:r>
+            <a:r>
+              <a:rPr lang="de-DE" sz="1600" dirty="0"/>
+              <a:t> Methods)</a:t>
+            </a:r>
+          </a:p>
+          <a:p>
+            <a:pPr marL="742950" lvl="1" indent="-285750">
+              <a:buFontTx/>
+              <a:buChar char="-"/>
+            </a:pPr>
+            <a:r>
+              <a:rPr lang="de-DE" sz="1600" dirty="0"/>
+              <a:t>General, </a:t>
+            </a:r>
+            <a:r>
+              <a:rPr lang="de-DE" sz="1600" dirty="0" err="1"/>
+              <a:t>from</a:t>
+            </a:r>
+            <a:r>
+              <a:rPr lang="de-DE" sz="1600" dirty="0"/>
+              <a:t> </a:t>
+            </a:r>
+            <a:r>
+              <a:rPr lang="de-DE" sz="1600" dirty="0" err="1"/>
+              <a:t>the</a:t>
+            </a:r>
+            <a:r>
+              <a:rPr lang="de-DE" sz="1600" dirty="0"/>
+              <a:t> Class Course </a:t>
+            </a:r>
+            <a:r>
+              <a:rPr lang="de-DE" sz="1600" dirty="0" err="1"/>
+              <a:t>seperate</a:t>
+            </a:r>
+            <a:r>
+              <a:rPr lang="de-DE" sz="1600" dirty="0"/>
+              <a:t>, Wiki in </a:t>
+            </a:r>
+            <a:r>
+              <a:rPr lang="de-DE" sz="1600" dirty="0" err="1"/>
+              <a:t>which</a:t>
+            </a:r>
+            <a:r>
+              <a:rPr lang="de-DE" sz="1600" dirty="0"/>
+              <a:t> Teachers and </a:t>
+            </a:r>
+            <a:r>
+              <a:rPr lang="de-DE" sz="1600" dirty="0" err="1"/>
+              <a:t>Students</a:t>
+            </a:r>
+            <a:r>
+              <a:rPr lang="de-DE" sz="1600" dirty="0"/>
+              <a:t> </a:t>
+            </a:r>
+            <a:r>
+              <a:rPr lang="de-DE" sz="1600" dirty="0" err="1"/>
+              <a:t>can</a:t>
+            </a:r>
+            <a:r>
+              <a:rPr lang="de-DE" sz="1600" dirty="0"/>
+              <a:t> </a:t>
+            </a:r>
+            <a:r>
+              <a:rPr lang="de-DE" sz="1600" dirty="0" err="1"/>
+              <a:t>add</a:t>
+            </a:r>
+            <a:r>
+              <a:rPr lang="de-DE" sz="1600" dirty="0"/>
+              <a:t> </a:t>
+            </a:r>
+            <a:r>
+              <a:rPr lang="de-DE" sz="1600" dirty="0" err="1"/>
+              <a:t>new</a:t>
+            </a:r>
+            <a:r>
+              <a:rPr lang="de-DE" sz="1600" dirty="0"/>
+              <a:t> </a:t>
+            </a:r>
+            <a:r>
+              <a:rPr lang="de-DE" sz="1600" dirty="0" err="1"/>
+              <a:t>information</a:t>
+            </a:r>
+            <a:endParaRPr lang="de-DE" sz="1600" dirty="0"/>
+          </a:p>
+          <a:p>
+            <a:pPr marL="742950" lvl="1" indent="-285750">
+              <a:buFontTx/>
+              <a:buChar char="-"/>
+            </a:pPr>
+            <a:r>
+              <a:rPr lang="de-DE" sz="1600" dirty="0"/>
+              <a:t>In </a:t>
+            </a:r>
+            <a:r>
+              <a:rPr lang="de-DE" sz="1600" dirty="0" err="1"/>
+              <a:t>Moodle</a:t>
+            </a:r>
+            <a:r>
+              <a:rPr lang="de-DE" sz="1600" dirty="0"/>
+              <a:t> </a:t>
+            </a:r>
+            <a:r>
+              <a:rPr lang="de-DE" sz="1600" dirty="0" err="1"/>
+              <a:t>included</a:t>
+            </a:r>
+            <a:r>
+              <a:rPr lang="de-DE" sz="1600" dirty="0"/>
+              <a:t> Chat/Meeting </a:t>
+            </a:r>
+            <a:r>
+              <a:rPr lang="de-DE" sz="1600" dirty="0" err="1"/>
+              <a:t>app</a:t>
+            </a:r>
+            <a:r>
+              <a:rPr lang="de-DE" sz="1600" dirty="0"/>
+              <a:t> (</a:t>
+            </a:r>
+            <a:r>
+              <a:rPr lang="de-DE" sz="1600" dirty="0" err="1"/>
+              <a:t>instead</a:t>
+            </a:r>
+            <a:r>
+              <a:rPr lang="de-DE" sz="1600" dirty="0"/>
+              <a:t> </a:t>
+            </a:r>
+            <a:r>
+              <a:rPr lang="de-DE" sz="1600" dirty="0" err="1"/>
+              <a:t>of</a:t>
+            </a:r>
+            <a:r>
+              <a:rPr lang="de-DE" sz="1600" dirty="0"/>
+              <a:t> </a:t>
+            </a:r>
+            <a:r>
+              <a:rPr lang="de-DE" sz="1600" dirty="0" err="1"/>
+              <a:t>Webex</a:t>
+            </a:r>
+            <a:r>
+              <a:rPr lang="de-DE" sz="1600" dirty="0"/>
+              <a:t>)</a:t>
+            </a:r>
+          </a:p>
+          <a:p>
+            <a:pPr marL="742950" lvl="1" indent="-285750">
+              <a:buFontTx/>
+              <a:buChar char="-"/>
+            </a:pPr>
+            <a:r>
+              <a:rPr lang="de-DE" sz="1600" dirty="0"/>
+              <a:t>In </a:t>
+            </a:r>
+            <a:r>
+              <a:rPr lang="de-DE" sz="1600" dirty="0" err="1"/>
+              <a:t>Moodle</a:t>
+            </a:r>
+            <a:r>
+              <a:rPr lang="de-DE" sz="1600" dirty="0"/>
+              <a:t> </a:t>
+            </a:r>
+            <a:r>
+              <a:rPr lang="de-DE" sz="1600" dirty="0" err="1"/>
+              <a:t>included</a:t>
+            </a:r>
+            <a:r>
+              <a:rPr lang="de-DE" sz="1600" dirty="0"/>
+              <a:t> Planner/</a:t>
+            </a:r>
+            <a:r>
+              <a:rPr lang="de-DE" sz="1600" dirty="0" err="1"/>
+              <a:t>Kanboard</a:t>
+            </a:r>
+            <a:r>
+              <a:rPr lang="de-DE" sz="1600" dirty="0"/>
+              <a:t> </a:t>
+            </a:r>
+            <a:r>
+              <a:rPr lang="de-DE" sz="1600" dirty="0" err="1"/>
+              <a:t>app</a:t>
+            </a:r>
+            <a:r>
+              <a:rPr lang="de-DE" sz="1600" dirty="0"/>
+              <a:t> </a:t>
+            </a:r>
+          </a:p>
+          <a:p>
+            <a:pPr marL="742950" lvl="1" indent="-285750">
+              <a:buFontTx/>
+              <a:buChar char="-"/>
+            </a:pPr>
+            <a:r>
+              <a:rPr lang="de-DE" sz="1600" dirty="0"/>
+              <a:t>In </a:t>
+            </a:r>
+            <a:r>
+              <a:rPr lang="de-DE" sz="1600" dirty="0" err="1"/>
+              <a:t>Moodle</a:t>
+            </a:r>
+            <a:r>
+              <a:rPr lang="de-DE" sz="1600" dirty="0"/>
+              <a:t> </a:t>
+            </a:r>
+            <a:r>
+              <a:rPr lang="de-DE" sz="1600" dirty="0" err="1"/>
+              <a:t>included</a:t>
+            </a:r>
+            <a:r>
+              <a:rPr lang="de-DE" sz="1600" dirty="0"/>
+              <a:t> </a:t>
+            </a:r>
+            <a:r>
+              <a:rPr lang="de-DE" sz="1600" dirty="0" err="1"/>
+              <a:t>Timetable</a:t>
+            </a:r>
+            <a:r>
+              <a:rPr lang="de-DE" sz="1600" dirty="0"/>
+              <a:t> (</a:t>
+            </a:r>
+            <a:r>
+              <a:rPr lang="de-DE" sz="1600" dirty="0" err="1"/>
+              <a:t>instead</a:t>
+            </a:r>
+            <a:r>
+              <a:rPr lang="de-DE" sz="1600" dirty="0"/>
+              <a:t> </a:t>
+            </a:r>
+            <a:r>
+              <a:rPr lang="de-DE" sz="1600" dirty="0" err="1"/>
+              <a:t>of</a:t>
+            </a:r>
+            <a:r>
+              <a:rPr lang="de-DE" sz="1600" dirty="0"/>
+              <a:t> external Google Doc)</a:t>
+            </a:r>
+          </a:p>
+          <a:p>
+            <a:pPr marL="742950" lvl="1" indent="-285750">
+              <a:buFontTx/>
+              <a:buChar char="-"/>
+            </a:pPr>
+            <a:r>
+              <a:rPr lang="de-DE" sz="1600" dirty="0" err="1"/>
+              <a:t>Only</a:t>
+            </a:r>
+            <a:r>
+              <a:rPr lang="de-DE" sz="1600" dirty="0"/>
+              <a:t> </a:t>
+            </a:r>
+            <a:r>
+              <a:rPr lang="de-DE" sz="1600" dirty="0" err="1"/>
+              <a:t>include</a:t>
+            </a:r>
+            <a:r>
+              <a:rPr lang="de-DE" sz="1600" dirty="0"/>
+              <a:t> Infos in </a:t>
+            </a:r>
+            <a:r>
+              <a:rPr lang="de-DE" sz="1600" dirty="0" err="1"/>
+              <a:t>Moodle</a:t>
+            </a:r>
+            <a:r>
+              <a:rPr lang="de-DE" sz="1600" dirty="0"/>
+              <a:t> </a:t>
+            </a:r>
+            <a:r>
+              <a:rPr lang="de-DE" sz="1600" dirty="0" err="1"/>
+              <a:t>which</a:t>
+            </a:r>
+            <a:r>
+              <a:rPr lang="de-DE" sz="1600" dirty="0"/>
+              <a:t> </a:t>
+            </a:r>
+            <a:r>
+              <a:rPr lang="de-DE" sz="1600" dirty="0" err="1"/>
+              <a:t>are</a:t>
+            </a:r>
+            <a:r>
+              <a:rPr lang="de-DE" sz="1600" dirty="0"/>
+              <a:t> relevant </a:t>
+            </a:r>
+            <a:r>
+              <a:rPr lang="de-DE" sz="1600" dirty="0" err="1"/>
+              <a:t>for</a:t>
+            </a:r>
+            <a:r>
+              <a:rPr lang="de-DE" sz="1600" dirty="0"/>
+              <a:t> </a:t>
+            </a:r>
+            <a:r>
+              <a:rPr lang="de-DE" sz="1600" dirty="0" err="1"/>
+              <a:t>the</a:t>
+            </a:r>
+            <a:r>
+              <a:rPr lang="de-DE" sz="1600" dirty="0"/>
+              <a:t>  </a:t>
+            </a:r>
+            <a:r>
+              <a:rPr lang="de-DE" sz="1600" dirty="0" err="1"/>
+              <a:t>respective</a:t>
+            </a:r>
+            <a:r>
+              <a:rPr lang="de-DE" sz="1600" dirty="0"/>
+              <a:t> Student (</a:t>
+            </a:r>
+            <a:r>
+              <a:rPr lang="de-DE" sz="1600" dirty="0" err="1"/>
+              <a:t>no</a:t>
+            </a:r>
+            <a:r>
+              <a:rPr lang="de-DE" sz="1600" dirty="0"/>
+              <a:t> </a:t>
+            </a:r>
+            <a:r>
+              <a:rPr lang="de-DE" sz="1600" dirty="0" err="1"/>
+              <a:t>courses</a:t>
+            </a:r>
+            <a:r>
+              <a:rPr lang="de-DE" sz="1600" dirty="0"/>
+              <a:t> </a:t>
+            </a:r>
+            <a:r>
+              <a:rPr lang="de-DE" sz="1600" dirty="0" err="1"/>
+              <a:t>from</a:t>
+            </a:r>
+            <a:r>
+              <a:rPr lang="de-DE" sz="1600" dirty="0"/>
+              <a:t> </a:t>
+            </a:r>
+            <a:r>
+              <a:rPr lang="de-DE" sz="1600" dirty="0" err="1"/>
+              <a:t>chemistry</a:t>
+            </a:r>
+            <a:r>
+              <a:rPr lang="de-DE" sz="1600" dirty="0"/>
+              <a:t> </a:t>
+            </a:r>
+            <a:r>
+              <a:rPr lang="de-DE" sz="1600" dirty="0" err="1"/>
+              <a:t>for</a:t>
+            </a:r>
+            <a:r>
+              <a:rPr lang="de-DE" sz="1600" dirty="0"/>
+              <a:t> </a:t>
+            </a:r>
+            <a:r>
+              <a:rPr lang="de-DE" sz="1600" dirty="0" err="1"/>
+              <a:t>example</a:t>
+            </a:r>
+            <a:r>
+              <a:rPr lang="de-DE" sz="1600" dirty="0"/>
+              <a:t>)</a:t>
+            </a:r>
+          </a:p>
+          <a:p>
+            <a:pPr marL="742950" lvl="1" indent="-285750">
+              <a:buFontTx/>
+              <a:buChar char="-"/>
+            </a:pPr>
+            <a:r>
+              <a:rPr lang="de-DE" sz="1600" dirty="0"/>
+              <a:t>In </a:t>
+            </a:r>
+            <a:r>
+              <a:rPr lang="de-DE" sz="1600" dirty="0" err="1"/>
+              <a:t>Moodle</a:t>
+            </a:r>
+            <a:r>
+              <a:rPr lang="de-DE" sz="1600" dirty="0"/>
+              <a:t> Integrated </a:t>
+            </a:r>
+            <a:r>
+              <a:rPr lang="de-DE" sz="1600" dirty="0" err="1"/>
+              <a:t>GitLab</a:t>
+            </a:r>
+            <a:r>
+              <a:rPr lang="de-DE" sz="1600" dirty="0"/>
+              <a:t> </a:t>
+            </a:r>
+            <a:r>
+              <a:rPr lang="de-DE" sz="1600" dirty="0" err="1"/>
+              <a:t>for</a:t>
+            </a:r>
+            <a:r>
+              <a:rPr lang="de-DE" sz="1600" dirty="0"/>
+              <a:t> </a:t>
+            </a:r>
+            <a:r>
+              <a:rPr lang="de-DE" sz="1600" dirty="0" err="1"/>
+              <a:t>every</a:t>
+            </a:r>
+            <a:r>
+              <a:rPr lang="de-DE" sz="1600" dirty="0"/>
+              <a:t> Student </a:t>
+            </a:r>
+          </a:p>
+          <a:p>
+            <a:pPr marL="742950" lvl="1" indent="-285750">
+              <a:buFontTx/>
+              <a:buChar char="-"/>
+            </a:pPr>
+            <a:r>
+              <a:rPr lang="de-DE" sz="1600" dirty="0"/>
+              <a:t>Own </a:t>
+            </a:r>
+            <a:r>
+              <a:rPr lang="de-DE" sz="1600" dirty="0" err="1"/>
+              <a:t>Virtualization</a:t>
+            </a:r>
+            <a:r>
+              <a:rPr lang="de-DE" sz="1600" dirty="0"/>
+              <a:t> </a:t>
+            </a:r>
+            <a:r>
+              <a:rPr lang="de-DE" sz="1600" dirty="0" err="1"/>
+              <a:t>Platform</a:t>
+            </a:r>
+            <a:r>
+              <a:rPr lang="de-DE" sz="1600" dirty="0"/>
+              <a:t> </a:t>
+            </a:r>
+            <a:r>
+              <a:rPr lang="de-DE" sz="1600" dirty="0" err="1"/>
+              <a:t>for</a:t>
+            </a:r>
+            <a:r>
+              <a:rPr lang="de-DE" sz="1600" dirty="0"/>
+              <a:t> </a:t>
+            </a:r>
+            <a:r>
+              <a:rPr lang="de-DE" sz="1600" dirty="0" err="1"/>
+              <a:t>Students</a:t>
+            </a:r>
+            <a:r>
+              <a:rPr lang="de-DE" sz="1600" dirty="0"/>
+              <a:t> to deploy </a:t>
+            </a:r>
+            <a:r>
+              <a:rPr lang="de-DE" sz="1600" dirty="0" err="1"/>
+              <a:t>their</a:t>
+            </a:r>
+            <a:r>
+              <a:rPr lang="de-DE" sz="1600" dirty="0"/>
+              <a:t> VMs (like VCenter</a:t>
+            </a:r>
+          </a:p>
+          <a:p>
+            <a:endParaRPr lang="de-DE" sz="1600" dirty="0"/>
+          </a:p>
+          <a:p>
+            <a:r>
+              <a:rPr lang="de-DE" sz="1600" dirty="0"/>
+              <a:t>The Realist:</a:t>
+            </a:r>
+          </a:p>
+          <a:p>
+            <a:r>
+              <a:rPr lang="de-DE" sz="1600" dirty="0"/>
+              <a:t>	</a:t>
+            </a:r>
+            <a:r>
+              <a:rPr lang="de-DE" sz="1600" dirty="0" err="1"/>
+              <a:t>ChatGPT</a:t>
+            </a:r>
+            <a:r>
+              <a:rPr lang="de-DE" sz="1600" dirty="0"/>
+              <a:t>:</a:t>
+            </a:r>
+          </a:p>
+          <a:p>
+            <a:pPr lvl="1"/>
+            <a:r>
+              <a:rPr lang="de-DE" sz="1600" dirty="0"/>
+              <a:t>	- </a:t>
+            </a:r>
+            <a:r>
+              <a:rPr lang="de-DE" sz="1600" dirty="0" err="1"/>
+              <a:t>OpenAI</a:t>
+            </a:r>
+            <a:r>
+              <a:rPr lang="de-DE" sz="1600" dirty="0"/>
+              <a:t> </a:t>
+            </a:r>
+            <a:r>
+              <a:rPr lang="de-DE" sz="1600" dirty="0" err="1"/>
+              <a:t>ChatGPT</a:t>
+            </a:r>
+            <a:r>
+              <a:rPr lang="de-DE" sz="1600" dirty="0"/>
+              <a:t> </a:t>
+            </a:r>
+            <a:r>
+              <a:rPr lang="de-DE" sz="1600" dirty="0" err="1"/>
+              <a:t>subscription</a:t>
+            </a:r>
+            <a:r>
+              <a:rPr lang="de-DE" sz="1600" dirty="0"/>
+              <a:t> </a:t>
+            </a:r>
+            <a:r>
+              <a:rPr lang="de-DE" sz="1600" dirty="0" err="1"/>
+              <a:t>too</a:t>
+            </a:r>
+            <a:r>
+              <a:rPr lang="de-DE" sz="1600" dirty="0"/>
+              <a:t> expensive</a:t>
+            </a:r>
+          </a:p>
+          <a:p>
+            <a:pPr lvl="1"/>
+            <a:r>
+              <a:rPr lang="de-DE" sz="1600" dirty="0"/>
+              <a:t>	- On-Prem </a:t>
+            </a:r>
+            <a:r>
+              <a:rPr lang="de-DE" sz="1600" dirty="0" err="1"/>
+              <a:t>ChatGPT</a:t>
+            </a:r>
+            <a:endParaRPr lang="de-DE" sz="1600" dirty="0"/>
+          </a:p>
+          <a:p>
+            <a:r>
+              <a:rPr lang="de-DE" sz="1600" dirty="0"/>
+              <a:t>	</a:t>
+            </a:r>
+            <a:r>
+              <a:rPr lang="de-DE" sz="1600" dirty="0" err="1"/>
+              <a:t>Moodle</a:t>
+            </a:r>
+            <a:r>
+              <a:rPr lang="de-DE" sz="1600" dirty="0"/>
+              <a:t>:</a:t>
+            </a:r>
+          </a:p>
+          <a:p>
+            <a:r>
+              <a:rPr lang="de-DE" sz="1600" dirty="0"/>
+              <a:t>	- Include Modules in </a:t>
+            </a:r>
+            <a:r>
+              <a:rPr lang="de-DE" sz="1600" dirty="0" err="1"/>
+              <a:t>Moodle</a:t>
+            </a:r>
+            <a:r>
+              <a:rPr lang="de-DE" sz="1600" dirty="0"/>
+              <a:t> </a:t>
+            </a:r>
+            <a:r>
+              <a:rPr lang="de-DE" sz="1600" dirty="0" err="1"/>
+              <a:t>using</a:t>
+            </a:r>
+            <a:r>
+              <a:rPr lang="de-DE" sz="1600" dirty="0"/>
+              <a:t> </a:t>
+            </a:r>
+            <a:r>
+              <a:rPr lang="de-DE" sz="1600" dirty="0" err="1"/>
+              <a:t>Iframes</a:t>
+            </a:r>
+            <a:r>
+              <a:rPr lang="de-DE" sz="1600" dirty="0"/>
+              <a:t> (</a:t>
+            </a:r>
+            <a:r>
+              <a:rPr lang="de-DE" sz="1600" dirty="0" err="1"/>
+              <a:t>for</a:t>
+            </a:r>
+            <a:r>
+              <a:rPr lang="de-DE" sz="1600" dirty="0"/>
+              <a:t> Chat/Meeting, </a:t>
+            </a:r>
+            <a:r>
+              <a:rPr lang="de-DE" sz="1600" dirty="0" err="1"/>
+              <a:t>Timetable</a:t>
+            </a:r>
+            <a:r>
+              <a:rPr lang="de-DE" sz="1600" dirty="0"/>
+              <a:t>, </a:t>
+            </a:r>
+            <a:r>
+              <a:rPr lang="de-DE" sz="1600" dirty="0" err="1"/>
+              <a:t>Gitlab</a:t>
+            </a:r>
+            <a:r>
+              <a:rPr lang="de-DE" sz="1600" dirty="0"/>
+              <a:t>, Wiki, </a:t>
+            </a:r>
+            <a:r>
+              <a:rPr lang="de-DE" sz="1600" dirty="0" err="1"/>
+              <a:t>ChatGPT</a:t>
+            </a:r>
+            <a:r>
+              <a:rPr lang="de-DE" sz="1600" dirty="0"/>
+              <a:t> </a:t>
+            </a:r>
+            <a:r>
+              <a:rPr lang="de-DE" sz="1600" dirty="0" err="1"/>
+              <a:t>app</a:t>
+            </a:r>
+            <a:r>
+              <a:rPr lang="de-DE" sz="1600" dirty="0"/>
+              <a:t> etc.)</a:t>
+            </a:r>
+          </a:p>
+          <a:p>
+            <a:r>
+              <a:rPr lang="de-DE" sz="1600" dirty="0"/>
+              <a:t>		</a:t>
+            </a:r>
+          </a:p>
+          <a:p>
+            <a:r>
+              <a:rPr lang="de-DE" sz="1600" dirty="0"/>
+              <a:t>The </a:t>
+            </a:r>
+            <a:r>
+              <a:rPr lang="de-DE" sz="1600" dirty="0" err="1"/>
+              <a:t>Critic</a:t>
+            </a:r>
+            <a:r>
+              <a:rPr lang="de-DE" sz="1600" dirty="0"/>
+              <a:t>:</a:t>
+            </a:r>
+          </a:p>
+          <a:p>
+            <a:r>
+              <a:rPr lang="de-DE" sz="1600" dirty="0"/>
+              <a:t>	</a:t>
+            </a:r>
+            <a:r>
+              <a:rPr lang="de-DE" sz="1600" dirty="0" err="1"/>
+              <a:t>ChatGPT</a:t>
+            </a:r>
+            <a:r>
+              <a:rPr lang="de-DE" sz="1600" dirty="0"/>
+              <a:t>:</a:t>
+            </a:r>
+          </a:p>
+          <a:p>
+            <a:r>
+              <a:rPr lang="de-DE" sz="1600" dirty="0"/>
+              <a:t>	- Needs </a:t>
+            </a:r>
+            <a:r>
+              <a:rPr lang="de-DE" sz="1600" dirty="0" err="1"/>
+              <a:t>too</a:t>
+            </a:r>
+            <a:r>
+              <a:rPr lang="de-DE" sz="1600" dirty="0"/>
+              <a:t> </a:t>
+            </a:r>
+            <a:r>
+              <a:rPr lang="de-DE" sz="1600" dirty="0" err="1"/>
+              <a:t>much</a:t>
+            </a:r>
+            <a:r>
+              <a:rPr lang="de-DE" sz="1600" dirty="0"/>
+              <a:t> power/</a:t>
+            </a:r>
+            <a:r>
+              <a:rPr lang="de-DE" sz="1600" dirty="0" err="1"/>
+              <a:t>too</a:t>
+            </a:r>
+            <a:r>
+              <a:rPr lang="de-DE" sz="1600" dirty="0"/>
+              <a:t> </a:t>
+            </a:r>
+            <a:r>
+              <a:rPr lang="de-DE" sz="1600" dirty="0" err="1"/>
+              <a:t>many</a:t>
+            </a:r>
+            <a:r>
+              <a:rPr lang="de-DE" sz="1600" dirty="0"/>
+              <a:t> </a:t>
+            </a:r>
+            <a:r>
+              <a:rPr lang="de-DE" sz="1600" dirty="0" err="1"/>
+              <a:t>hardware</a:t>
+            </a:r>
+            <a:r>
+              <a:rPr lang="de-DE" sz="1600" dirty="0"/>
+              <a:t> </a:t>
+            </a:r>
+            <a:r>
+              <a:rPr lang="de-DE" sz="1600" dirty="0" err="1"/>
+              <a:t>ressources</a:t>
+            </a:r>
+            <a:endParaRPr lang="de-DE" sz="1600" dirty="0"/>
+          </a:p>
+          <a:p>
+            <a:r>
+              <a:rPr lang="de-DE" sz="1600" dirty="0"/>
+              <a:t>	- High power </a:t>
+            </a:r>
+            <a:r>
+              <a:rPr lang="de-DE" sz="1600" dirty="0" err="1"/>
+              <a:t>usage</a:t>
+            </a:r>
+            <a:r>
+              <a:rPr lang="de-DE" sz="1600" dirty="0"/>
+              <a:t> = high CO2 </a:t>
+            </a:r>
+            <a:r>
+              <a:rPr lang="de-DE" sz="1600" dirty="0" err="1"/>
+              <a:t>exhaustions</a:t>
+            </a:r>
+            <a:endParaRPr lang="de-DE" sz="1600" dirty="0"/>
+          </a:p>
+          <a:p>
+            <a:r>
+              <a:rPr lang="de-DE" sz="1600" dirty="0"/>
+              <a:t>	Wiki:</a:t>
+            </a:r>
+          </a:p>
+          <a:p>
+            <a:r>
+              <a:rPr lang="de-DE" sz="1600" dirty="0"/>
+              <a:t>	- Teachers </a:t>
+            </a:r>
+            <a:r>
+              <a:rPr lang="de-DE" sz="1600" dirty="0" err="1"/>
+              <a:t>need</a:t>
+            </a:r>
+            <a:r>
+              <a:rPr lang="de-DE" sz="1600" dirty="0"/>
+              <a:t> to check </a:t>
+            </a:r>
+            <a:r>
+              <a:rPr lang="de-DE" sz="1600" dirty="0" err="1"/>
+              <a:t>content</a:t>
+            </a:r>
+            <a:r>
+              <a:rPr lang="de-DE" sz="1600" dirty="0"/>
+              <a:t> </a:t>
+            </a:r>
+            <a:r>
+              <a:rPr lang="de-DE" sz="1600" dirty="0" err="1"/>
+              <a:t>contributed</a:t>
+            </a:r>
+            <a:r>
+              <a:rPr lang="de-DE" sz="1600" dirty="0"/>
+              <a:t> </a:t>
+            </a:r>
+            <a:r>
+              <a:rPr lang="de-DE" sz="1600" dirty="0" err="1"/>
+              <a:t>by</a:t>
+            </a:r>
+            <a:r>
+              <a:rPr lang="de-DE" sz="1600" dirty="0"/>
+              <a:t> </a:t>
+            </a:r>
+            <a:r>
+              <a:rPr lang="de-DE" sz="1600" dirty="0" err="1"/>
+              <a:t>students</a:t>
+            </a:r>
+            <a:endParaRPr lang="de-DE" sz="1600" dirty="0"/>
+          </a:p>
+          <a:p>
+            <a:r>
+              <a:rPr lang="de-DE" dirty="0"/>
+              <a:t>	</a:t>
+            </a:r>
+          </a:p>
+        </p:txBody>
+      </p:sp>
+      <p:sp>
+        <p:nvSpPr>
+          <p:cNvPr id="3" name="TextBox 2">
+            <a:extLst>
+              <a:ext uri="{FF2B5EF4-FFF2-40B4-BE49-F238E27FC236}">
+                <a16:creationId xmlns:a16="http://schemas.microsoft.com/office/drawing/2014/main" id="{8C33EB48-5F85-2B6E-4890-ECFE9AC13B48}"/>
+              </a:ext>
+            </a:extLst>
+          </p:cNvPr>
+          <p:cNvSpPr txBox="1"/>
+          <p:nvPr/>
+        </p:nvSpPr>
+        <p:spPr>
+          <a:xfrm>
+            <a:off x="1803400" y="228600"/>
+            <a:ext cx="9017000" cy="707886"/>
+          </a:xfrm>
+          <a:prstGeom prst="rect">
+            <a:avLst/>
+          </a:prstGeom>
+          <a:noFill/>
+        </p:spPr>
+        <p:txBody>
+          <a:bodyPr wrap="square" rtlCol="0">
+            <a:spAutoFit/>
+          </a:bodyPr>
+          <a:lstStyle/>
+          <a:p>
+            <a:pPr algn="ctr"/>
+            <a:r>
+              <a:rPr lang="de-DE" sz="4000" dirty="0">
+                <a:latin typeface="+mj-lt"/>
+              </a:rPr>
+              <a:t>Walt Disney Method</a:t>
+            </a:r>
+          </a:p>
+        </p:txBody>
+      </p:sp>
+    </p:spTree>
+    <p:extLst>
+      <p:ext uri="{BB962C8B-B14F-4D97-AF65-F5344CB8AC3E}">
+        <p14:creationId xmlns:p14="http://schemas.microsoft.com/office/powerpoint/2010/main" val="767207952"/>
       </p:ext>
     </p:extLst>
   </p:cSld>
